--- a/Design Review/Design-Review.pptx
+++ b/Design Review/Design-Review.pptx
@@ -16,22 +16,21 @@
     <p:sldId id="267" r:id="rId10"/>
     <p:sldId id="265" r:id="rId11"/>
     <p:sldId id="266" r:id="rId12"/>
-    <p:sldId id="272" r:id="rId13"/>
-    <p:sldId id="260" r:id="rId14"/>
-    <p:sldId id="270" r:id="rId15"/>
-    <p:sldId id="271" r:id="rId16"/>
-    <p:sldId id="279" r:id="rId17"/>
-    <p:sldId id="280" r:id="rId18"/>
-    <p:sldId id="282" r:id="rId19"/>
-    <p:sldId id="275" r:id="rId20"/>
-    <p:sldId id="261" r:id="rId21"/>
-    <p:sldId id="268" r:id="rId22"/>
-    <p:sldId id="269" r:id="rId23"/>
-    <p:sldId id="274" r:id="rId24"/>
-    <p:sldId id="283" r:id="rId25"/>
-    <p:sldId id="262" r:id="rId26"/>
-    <p:sldId id="273" r:id="rId27"/>
-    <p:sldId id="281" r:id="rId28"/>
+    <p:sldId id="260" r:id="rId13"/>
+    <p:sldId id="270" r:id="rId14"/>
+    <p:sldId id="271" r:id="rId15"/>
+    <p:sldId id="279" r:id="rId16"/>
+    <p:sldId id="280" r:id="rId17"/>
+    <p:sldId id="282" r:id="rId18"/>
+    <p:sldId id="275" r:id="rId19"/>
+    <p:sldId id="261" r:id="rId20"/>
+    <p:sldId id="268" r:id="rId21"/>
+    <p:sldId id="269" r:id="rId22"/>
+    <p:sldId id="274" r:id="rId23"/>
+    <p:sldId id="283" r:id="rId24"/>
+    <p:sldId id="262" r:id="rId25"/>
+    <p:sldId id="273" r:id="rId26"/>
+    <p:sldId id="281" r:id="rId27"/>
   </p:sldIdLst>
   <p:sldSz cx="9144000" cy="6858000" type="screen4x3"/>
   <p:notesSz cx="7010400" cy="9296400"/>
@@ -132,7 +131,7 @@
   </p:defaultTextStyle>
   <p:extLst>
     <p:ext uri="{EFAFB233-063F-42B5-8137-9DF3F51BA10A}">
-      <p15:sldGuideLst xmlns="" xmlns:p15="http://schemas.microsoft.com/office/powerpoint/2012/main">
+      <p15:sldGuideLst xmlns:p15="http://schemas.microsoft.com/office/powerpoint/2012/main" xmlns="">
         <p15:guide id="1" orient="horz" pos="2160">
           <p15:clr>
             <a:srgbClr val="A4A3A4"/>
@@ -3540,145 +3539,6 @@
           <a:p>
             <a:r>
               <a:rPr lang="en-US" dirty="0" smtClean="0"/>
-              <a:t>Train Model</a:t>
-            </a:r>
-            <a:endParaRPr lang="en-US" dirty="0"/>
-          </a:p>
-        </p:txBody>
-      </p:sp>
-      <p:sp>
-        <p:nvSpPr>
-          <p:cNvPr id="3" name="Content Placeholder 2"/>
-          <p:cNvSpPr>
-            <a:spLocks noGrp="1"/>
-          </p:cNvSpPr>
-          <p:nvPr>
-            <p:ph idx="1"/>
-          </p:nvPr>
-        </p:nvSpPr>
-        <p:spPr/>
-        <p:txBody>
-          <a:bodyPr/>
-          <a:lstStyle/>
-          <a:p>
-            <a:r>
-              <a:rPr lang="en-US" dirty="0" smtClean="0"/>
-              <a:t>Purpose</a:t>
-            </a:r>
-          </a:p>
-          <a:p>
-            <a:pPr lvl="1"/>
-            <a:r>
-              <a:rPr lang="en-US" dirty="0" smtClean="0"/>
-              <a:t>Accepts input </a:t>
-            </a:r>
-            <a:r>
-              <a:rPr lang="en-US" dirty="0"/>
-              <a:t>regarding the </a:t>
-            </a:r>
-            <a:r>
-              <a:rPr lang="en-US" dirty="0" err="1"/>
-              <a:t>setpoint</a:t>
-            </a:r>
-            <a:r>
-              <a:rPr lang="en-US" dirty="0"/>
-              <a:t> </a:t>
-            </a:r>
-            <a:r>
-              <a:rPr lang="en-US" dirty="0" smtClean="0"/>
-              <a:t>power, </a:t>
-            </a:r>
-            <a:r>
-              <a:rPr lang="en-US" dirty="0"/>
-              <a:t>brake command, speed limit, acceleration limit, deceleration limit, route information, temperature control, door open, door close, transponder input, track circuit input, and light controller for tunnel</a:t>
-            </a:r>
-            <a:r>
-              <a:rPr lang="en-US" dirty="0" smtClean="0"/>
-              <a:t>.</a:t>
-            </a:r>
-          </a:p>
-          <a:p>
-            <a:pPr lvl="1"/>
-            <a:r>
-              <a:rPr lang="en-US" dirty="0"/>
-              <a:t>Calculates the speed of the train based upon power input</a:t>
-            </a:r>
-            <a:r>
-              <a:rPr lang="en-US" dirty="0" smtClean="0"/>
-              <a:t>.</a:t>
-            </a:r>
-          </a:p>
-          <a:p>
-            <a:pPr lvl="1"/>
-            <a:r>
-              <a:rPr lang="en-US" dirty="0" smtClean="0"/>
-              <a:t>Displays information about next stop</a:t>
-            </a:r>
-          </a:p>
-          <a:p>
-            <a:pPr lvl="1"/>
-            <a:r>
-              <a:rPr lang="en-US" dirty="0" smtClean="0"/>
-              <a:t>Simulates train failures</a:t>
-            </a:r>
-            <a:endParaRPr lang="en-US" dirty="0"/>
-          </a:p>
-        </p:txBody>
-      </p:sp>
-    </p:spTree>
-    <p:extLst>
-      <p:ext uri="{BB962C8B-B14F-4D97-AF65-F5344CB8AC3E}">
-        <p14:creationId xmlns:p14="http://schemas.microsoft.com/office/powerpoint/2010/main" val="121172839"/>
-      </p:ext>
-    </p:extLst>
-  </p:cSld>
-  <p:clrMapOvr>
-    <a:masterClrMapping/>
-  </p:clrMapOvr>
-  <p:timing>
-    <p:tnLst>
-      <p:par>
-        <p:cTn id="1" dur="indefinite" restart="never" nodeType="tmRoot"/>
-      </p:par>
-    </p:tnLst>
-  </p:timing>
-</p:sld>
-</file>
-
-<file path=ppt/slides/slide13.xml><?xml version="1.0" encoding="utf-8"?>
-<p:sld xmlns:a="http://schemas.openxmlformats.org/drawingml/2006/main" xmlns:r="http://schemas.openxmlformats.org/officeDocument/2006/relationships" xmlns:p="http://schemas.openxmlformats.org/presentationml/2006/main">
-  <p:cSld>
-    <p:spTree>
-      <p:nvGrpSpPr>
-        <p:cNvPr id="1" name=""/>
-        <p:cNvGrpSpPr/>
-        <p:nvPr/>
-      </p:nvGrpSpPr>
-      <p:grpSpPr>
-        <a:xfrm>
-          <a:off x="0" y="0"/>
-          <a:ext cx="0" cy="0"/>
-          <a:chOff x="0" y="0"/>
-          <a:chExt cx="0" cy="0"/>
-        </a:xfrm>
-      </p:grpSpPr>
-      <p:sp>
-        <p:nvSpPr>
-          <p:cNvPr id="2" name="Title 1"/>
-          <p:cNvSpPr>
-            <a:spLocks noGrp="1"/>
-          </p:cNvSpPr>
-          <p:nvPr>
-            <p:ph type="title"/>
-          </p:nvPr>
-        </p:nvSpPr>
-        <p:spPr/>
-        <p:txBody>
-          <a:bodyPr/>
-          <a:lstStyle/>
-          <a:p>
-            <a:r>
-              <a:rPr lang="en-US" dirty="0" smtClean="0"/>
               <a:t>Train Model/Controller: </a:t>
             </a:r>
             <a:r>
@@ -3737,7 +3597,7 @@
 </p:sld>
 </file>
 
-<file path=ppt/slides/slide14.xml><?xml version="1.0" encoding="utf-8"?>
+<file path=ppt/slides/slide13.xml><?xml version="1.0" encoding="utf-8"?>
 <p:sld xmlns:a="http://schemas.openxmlformats.org/drawingml/2006/main" xmlns:r="http://schemas.openxmlformats.org/officeDocument/2006/relationships" xmlns:p="http://schemas.openxmlformats.org/presentationml/2006/main">
   <p:cSld>
     <p:spTree>
@@ -3778,8 +3638,8 @@
         </p:blipFill>
         <p:spPr>
           <a:xfrm>
-            <a:off x="-902649" y="359806"/>
-            <a:ext cx="10795998" cy="10286125"/>
+            <a:off x="-455354" y="359806"/>
+            <a:ext cx="9901407" cy="10286125"/>
           </a:xfrm>
         </p:spPr>
       </p:pic>
@@ -3826,7 +3686,7 @@
 </p:sld>
 </file>
 
-<file path=ppt/slides/slide15.xml><?xml version="1.0" encoding="utf-8"?>
+<file path=ppt/slides/slide14.xml><?xml version="1.0" encoding="utf-8"?>
 <p:sld xmlns:a="http://schemas.openxmlformats.org/drawingml/2006/main" xmlns:r="http://schemas.openxmlformats.org/officeDocument/2006/relationships" xmlns:p="http://schemas.openxmlformats.org/presentationml/2006/main">
   <p:cSld>
     <p:spTree>
@@ -3918,7 +3778,7 @@
 </p:sld>
 </file>
 
-<file path=ppt/slides/slide16.xml><?xml version="1.0" encoding="utf-8"?>
+<file path=ppt/slides/slide15.xml><?xml version="1.0" encoding="utf-8"?>
 <p:sld xmlns:a="http://schemas.openxmlformats.org/drawingml/2006/main" xmlns:r="http://schemas.openxmlformats.org/officeDocument/2006/relationships" xmlns:p="http://schemas.openxmlformats.org/presentationml/2006/main">
   <p:cSld>
     <p:spTree>
@@ -4070,7 +3930,7 @@
 </p:sld>
 </file>
 
-<file path=ppt/slides/slide17.xml><?xml version="1.0" encoding="utf-8"?>
+<file path=ppt/slides/slide16.xml><?xml version="1.0" encoding="utf-8"?>
 <p:sld xmlns:a="http://schemas.openxmlformats.org/drawingml/2006/main" xmlns:r="http://schemas.openxmlformats.org/officeDocument/2006/relationships" xmlns:p="http://schemas.openxmlformats.org/presentationml/2006/main">
   <p:cSld>
     <p:spTree>
@@ -4164,7 +4024,7 @@
 </p:sld>
 </file>
 
-<file path=ppt/slides/slide18.xml><?xml version="1.0" encoding="utf-8"?>
+<file path=ppt/slides/slide17.xml><?xml version="1.0" encoding="utf-8"?>
 <p:sld xmlns:a="http://schemas.openxmlformats.org/drawingml/2006/main" xmlns:r="http://schemas.openxmlformats.org/officeDocument/2006/relationships" xmlns:p="http://schemas.openxmlformats.org/presentationml/2006/main">
   <p:cSld>
     <p:spTree>
@@ -4262,6 +4122,149 @@
 </p:sld>
 </file>
 
+<file path=ppt/slides/slide18.xml><?xml version="1.0" encoding="utf-8"?>
+<p:sld xmlns:a="http://schemas.openxmlformats.org/drawingml/2006/main" xmlns:r="http://schemas.openxmlformats.org/officeDocument/2006/relationships" xmlns:p="http://schemas.openxmlformats.org/presentationml/2006/main">
+  <p:cSld>
+    <p:spTree>
+      <p:nvGrpSpPr>
+        <p:cNvPr id="1" name=""/>
+        <p:cNvGrpSpPr/>
+        <p:nvPr/>
+      </p:nvGrpSpPr>
+      <p:grpSpPr>
+        <a:xfrm>
+          <a:off x="0" y="0"/>
+          <a:ext cx="0" cy="0"/>
+          <a:chOff x="0" y="0"/>
+          <a:chExt cx="0" cy="0"/>
+        </a:xfrm>
+      </p:grpSpPr>
+      <p:sp>
+        <p:nvSpPr>
+          <p:cNvPr id="2" name="Title 1"/>
+          <p:cNvSpPr>
+            <a:spLocks noGrp="1"/>
+          </p:cNvSpPr>
+          <p:nvPr>
+            <p:ph type="title"/>
+          </p:nvPr>
+        </p:nvSpPr>
+        <p:spPr/>
+        <p:txBody>
+          <a:bodyPr/>
+          <a:lstStyle/>
+          <a:p>
+            <a:r>
+              <a:rPr lang="en-US" dirty="0" smtClean="0"/>
+              <a:t>Track Controller</a:t>
+            </a:r>
+            <a:endParaRPr lang="en-US" dirty="0"/>
+          </a:p>
+        </p:txBody>
+      </p:sp>
+      <p:sp>
+        <p:nvSpPr>
+          <p:cNvPr id="3" name="Content Placeholder 2"/>
+          <p:cNvSpPr>
+            <a:spLocks noGrp="1"/>
+          </p:cNvSpPr>
+          <p:nvPr>
+            <p:ph idx="1"/>
+          </p:nvPr>
+        </p:nvSpPr>
+        <p:spPr/>
+        <p:txBody>
+          <a:bodyPr/>
+          <a:lstStyle/>
+          <a:p>
+            <a:r>
+              <a:rPr lang="en-US" dirty="0" smtClean="0"/>
+              <a:t>Purpose:</a:t>
+            </a:r>
+          </a:p>
+          <a:p>
+            <a:r>
+              <a:rPr lang="en-US" dirty="0"/>
+              <a:t> </a:t>
+            </a:r>
+            <a:r>
+              <a:rPr lang="en-US" dirty="0" smtClean="0"/>
+              <a:t>Signaling</a:t>
+            </a:r>
+          </a:p>
+          <a:p>
+            <a:pPr lvl="1"/>
+            <a:r>
+              <a:rPr lang="en-US" dirty="0" smtClean="0"/>
+              <a:t>Create signals for each block of track</a:t>
+            </a:r>
+          </a:p>
+          <a:p>
+            <a:pPr lvl="1"/>
+            <a:r>
+              <a:rPr lang="en-US" dirty="0" smtClean="0"/>
+              <a:t>Report current track block signal status</a:t>
+            </a:r>
+          </a:p>
+          <a:p>
+            <a:pPr lvl="1"/>
+            <a:r>
+              <a:rPr lang="en-US" dirty="0" smtClean="0"/>
+              <a:t>Control RR Crossings.</a:t>
+            </a:r>
+          </a:p>
+          <a:p>
+            <a:r>
+              <a:rPr lang="en-US" dirty="0" smtClean="0"/>
+              <a:t>Detect and Report Track faults</a:t>
+            </a:r>
+          </a:p>
+          <a:p>
+            <a:r>
+              <a:rPr lang="en-US" dirty="0" smtClean="0"/>
+              <a:t>Alter Switches on the track based on train destination</a:t>
+            </a:r>
+          </a:p>
+          <a:p>
+            <a:r>
+              <a:rPr lang="en-US" dirty="0" smtClean="0"/>
+              <a:t>Report block information to train</a:t>
+            </a:r>
+          </a:p>
+          <a:p>
+            <a:r>
+              <a:rPr lang="en-US" dirty="0" smtClean="0"/>
+              <a:t>Calculate fixed block authority</a:t>
+            </a:r>
+          </a:p>
+          <a:p>
+            <a:r>
+              <a:rPr lang="en-US" dirty="0" smtClean="0"/>
+              <a:t>Send Vital Information about track to train controller</a:t>
+            </a:r>
+          </a:p>
+        </p:txBody>
+      </p:sp>
+    </p:spTree>
+    <p:extLst>
+      <p:ext uri="{BB962C8B-B14F-4D97-AF65-F5344CB8AC3E}">
+        <p14:creationId xmlns:p14="http://schemas.microsoft.com/office/powerpoint/2010/main" val="2301780764"/>
+      </p:ext>
+    </p:extLst>
+  </p:cSld>
+  <p:clrMapOvr>
+    <a:masterClrMapping/>
+  </p:clrMapOvr>
+  <p:timing>
+    <p:tnLst>
+      <p:par>
+        <p:cTn id="1" dur="indefinite" restart="never" nodeType="tmRoot"/>
+      </p:par>
+    </p:tnLst>
+  </p:timing>
+</p:sld>
+</file>
+
 <file path=ppt/slides/slide19.xml><?xml version="1.0" encoding="utf-8"?>
 <p:sld xmlns:a="http://schemas.openxmlformats.org/drawingml/2006/main" xmlns:r="http://schemas.openxmlformats.org/officeDocument/2006/relationships" xmlns:p="http://schemas.openxmlformats.org/presentationml/2006/main">
   <p:cSld>
@@ -4294,6 +4297,14 @@
           <a:bodyPr/>
           <a:lstStyle/>
           <a:p>
+            <a:pPr algn="ctr"/>
+            <a:r>
+              <a:rPr lang="en-US" dirty="0" smtClean="0"/>
+              <a:t>Use Cases: </a:t>
+            </a:r>
+            <a:br>
+              <a:rPr lang="en-US" dirty="0" smtClean="0"/>
+            </a:br>
             <a:r>
               <a:rPr lang="en-US" dirty="0" smtClean="0"/>
               <a:t>Track Controller</a:t>
@@ -4302,102 +4313,51 @@
           </a:p>
         </p:txBody>
       </p:sp>
-      <p:sp>
-        <p:nvSpPr>
-          <p:cNvPr id="3" name="Content Placeholder 2"/>
-          <p:cNvSpPr>
-            <a:spLocks noGrp="1"/>
-          </p:cNvSpPr>
-          <p:nvPr>
-            <p:ph idx="1"/>
-          </p:nvPr>
-        </p:nvSpPr>
-        <p:spPr/>
-        <p:txBody>
-          <a:bodyPr/>
-          <a:lstStyle/>
-          <a:p>
-            <a:r>
-              <a:rPr lang="en-US" dirty="0" smtClean="0"/>
-              <a:t>Purpose:</a:t>
-            </a:r>
-          </a:p>
-          <a:p>
-            <a:r>
-              <a:rPr lang="en-US" dirty="0"/>
-              <a:t> </a:t>
-            </a:r>
-            <a:r>
-              <a:rPr lang="en-US" dirty="0" smtClean="0"/>
-              <a:t>Signaling</a:t>
-            </a:r>
-          </a:p>
-          <a:p>
-            <a:pPr lvl="1"/>
-            <a:r>
-              <a:rPr lang="en-US" dirty="0" smtClean="0"/>
-              <a:t>Create signals for each block of track</a:t>
-            </a:r>
-          </a:p>
-          <a:p>
-            <a:pPr lvl="1"/>
-            <a:r>
-              <a:rPr lang="en-US" dirty="0" smtClean="0"/>
-              <a:t>Report current track block signal status</a:t>
-            </a:r>
-          </a:p>
-          <a:p>
-            <a:pPr lvl="1"/>
-            <a:r>
-              <a:rPr lang="en-US" dirty="0" smtClean="0"/>
-              <a:t>Control RR Crossings.</a:t>
-            </a:r>
-          </a:p>
-          <a:p>
-            <a:r>
-              <a:rPr lang="en-US" dirty="0" smtClean="0"/>
-              <a:t>Detect and Report Track faults</a:t>
-            </a:r>
-          </a:p>
-          <a:p>
-            <a:r>
-              <a:rPr lang="en-US" dirty="0" smtClean="0"/>
-              <a:t>Alter Switches on the track based on train destination</a:t>
-            </a:r>
-          </a:p>
-          <a:p>
-            <a:r>
-              <a:rPr lang="en-US" dirty="0" smtClean="0"/>
-              <a:t>Report block information to </a:t>
-            </a:r>
-            <a:r>
-              <a:rPr lang="en-US" dirty="0" smtClean="0"/>
-              <a:t>train</a:t>
-            </a:r>
-          </a:p>
-          <a:p>
-            <a:r>
-              <a:rPr lang="en-US" dirty="0" smtClean="0"/>
-              <a:t>Calculate fixed block authority</a:t>
-            </a:r>
-          </a:p>
-          <a:p>
-            <a:r>
-              <a:rPr lang="en-US" dirty="0" smtClean="0"/>
-              <a:t>Send Vital Information about track to </a:t>
-            </a:r>
-            <a:r>
-              <a:rPr lang="en-US" dirty="0" smtClean="0"/>
-              <a:t>train controller</a:t>
-            </a:r>
-            <a:endParaRPr lang="en-US" dirty="0" smtClean="0"/>
-          </a:p>
-        </p:txBody>
-      </p:sp>
+      <p:pic>
+        <p:nvPicPr>
+          <p:cNvPr id="1026" name="Picture 2" descr="C:\Users\Nick\Downloads\UseCaseDiagram2.png"/>
+          <p:cNvPicPr>
+            <a:picLocks noChangeAspect="1" noChangeArrowheads="1"/>
+          </p:cNvPicPr>
+          <p:nvPr/>
+        </p:nvPicPr>
+        <p:blipFill>
+          <a:blip r:embed="rId2">
+            <a:extLst>
+              <a:ext uri="{28A0092B-C50C-407E-A947-70E740481C1C}">
+                <a14:useLocalDpi xmlns:a14="http://schemas.microsoft.com/office/drawing/2010/main" val="0"/>
+              </a:ext>
+            </a:extLst>
+          </a:blip>
+          <a:srcRect/>
+          <a:stretch>
+            <a:fillRect/>
+          </a:stretch>
+        </p:blipFill>
+        <p:spPr bwMode="auto">
+          <a:xfrm>
+            <a:off x="3516" y="1447800"/>
+            <a:ext cx="7641518" cy="5867400"/>
+          </a:xfrm>
+          <a:prstGeom prst="rect">
+            <a:avLst/>
+          </a:prstGeom>
+          <a:noFill/>
+          <a:extLst>
+            <a:ext uri="{909E8E84-426E-40DD-AFC4-6F175D3DCCD1}">
+              <a14:hiddenFill xmlns:a14="http://schemas.microsoft.com/office/drawing/2010/main">
+                <a:solidFill>
+                  <a:srgbClr val="FFFFFF"/>
+                </a:solidFill>
+              </a14:hiddenFill>
+            </a:ext>
+          </a:extLst>
+        </p:spPr>
+      </p:pic>
     </p:spTree>
     <p:extLst>
       <p:ext uri="{BB962C8B-B14F-4D97-AF65-F5344CB8AC3E}">
-        <p14:creationId xmlns:p14="http://schemas.microsoft.com/office/powerpoint/2010/main" val="2301780764"/>
+        <p14:creationId xmlns:p14="http://schemas.microsoft.com/office/powerpoint/2010/main" val="3429463320"/>
       </p:ext>
     </p:extLst>
   </p:cSld>
@@ -4547,115 +4507,6 @@
           <a:bodyPr/>
           <a:lstStyle/>
           <a:p>
-            <a:pPr algn="ctr"/>
-            <a:r>
-              <a:rPr lang="en-US" dirty="0" smtClean="0"/>
-              <a:t>Use Cases: </a:t>
-            </a:r>
-            <a:br>
-              <a:rPr lang="en-US" dirty="0" smtClean="0"/>
-            </a:br>
-            <a:r>
-              <a:rPr lang="en-US" dirty="0" smtClean="0"/>
-              <a:t>Track Controller</a:t>
-            </a:r>
-            <a:endParaRPr lang="en-US" dirty="0"/>
-          </a:p>
-        </p:txBody>
-      </p:sp>
-      <p:pic>
-        <p:nvPicPr>
-          <p:cNvPr id="1026" name="Picture 2" descr="C:\Users\Nick\Downloads\UseCaseDiagram2.png"/>
-          <p:cNvPicPr>
-            <a:picLocks noChangeAspect="1" noChangeArrowheads="1"/>
-          </p:cNvPicPr>
-          <p:nvPr/>
-        </p:nvPicPr>
-        <p:blipFill>
-          <a:blip r:embed="rId2">
-            <a:extLst>
-              <a:ext uri="{28A0092B-C50C-407E-A947-70E740481C1C}">
-                <a14:useLocalDpi xmlns:a14="http://schemas.microsoft.com/office/drawing/2010/main" val="0"/>
-              </a:ext>
-            </a:extLst>
-          </a:blip>
-          <a:srcRect/>
-          <a:stretch>
-            <a:fillRect/>
-          </a:stretch>
-        </p:blipFill>
-        <p:spPr bwMode="auto">
-          <a:xfrm>
-            <a:off x="3516" y="1447800"/>
-            <a:ext cx="7641518" cy="5867400"/>
-          </a:xfrm>
-          <a:prstGeom prst="rect">
-            <a:avLst/>
-          </a:prstGeom>
-          <a:noFill/>
-          <a:extLst>
-            <a:ext uri="{909E8E84-426E-40DD-AFC4-6F175D3DCCD1}">
-              <a14:hiddenFill xmlns:a14="http://schemas.microsoft.com/office/drawing/2010/main">
-                <a:solidFill>
-                  <a:srgbClr val="FFFFFF"/>
-                </a:solidFill>
-              </a14:hiddenFill>
-            </a:ext>
-          </a:extLst>
-        </p:spPr>
-      </p:pic>
-    </p:spTree>
-    <p:extLst>
-      <p:ext uri="{BB962C8B-B14F-4D97-AF65-F5344CB8AC3E}">
-        <p14:creationId xmlns:p14="http://schemas.microsoft.com/office/powerpoint/2010/main" val="3429463320"/>
-      </p:ext>
-    </p:extLst>
-  </p:cSld>
-  <p:clrMapOvr>
-    <a:masterClrMapping/>
-  </p:clrMapOvr>
-  <p:timing>
-    <p:tnLst>
-      <p:par>
-        <p:cTn id="1" dur="indefinite" restart="never" nodeType="tmRoot"/>
-      </p:par>
-    </p:tnLst>
-  </p:timing>
-</p:sld>
-</file>
-
-<file path=ppt/slides/slide21.xml><?xml version="1.0" encoding="utf-8"?>
-<p:sld xmlns:a="http://schemas.openxmlformats.org/drawingml/2006/main" xmlns:r="http://schemas.openxmlformats.org/officeDocument/2006/relationships" xmlns:p="http://schemas.openxmlformats.org/presentationml/2006/main">
-  <p:cSld>
-    <p:spTree>
-      <p:nvGrpSpPr>
-        <p:cNvPr id="1" name=""/>
-        <p:cNvGrpSpPr/>
-        <p:nvPr/>
-      </p:nvGrpSpPr>
-      <p:grpSpPr>
-        <a:xfrm>
-          <a:off x="0" y="0"/>
-          <a:ext cx="0" cy="0"/>
-          <a:chOff x="0" y="0"/>
-          <a:chExt cx="0" cy="0"/>
-        </a:xfrm>
-      </p:grpSpPr>
-      <p:sp>
-        <p:nvSpPr>
-          <p:cNvPr id="2" name="Title 1"/>
-          <p:cNvSpPr>
-            <a:spLocks noGrp="1"/>
-          </p:cNvSpPr>
-          <p:nvPr>
-            <p:ph type="title"/>
-          </p:nvPr>
-        </p:nvSpPr>
-        <p:spPr/>
-        <p:txBody>
-          <a:bodyPr/>
-          <a:lstStyle/>
-          <a:p>
             <a:r>
               <a:rPr lang="en-US" dirty="0"/>
               <a:t>Track Controller</a:t>
@@ -4733,7 +4584,7 @@
 </p:sld>
 </file>
 
-<file path=ppt/slides/slide22.xml><?xml version="1.0" encoding="utf-8"?>
+<file path=ppt/slides/slide21.xml><?xml version="1.0" encoding="utf-8"?>
 <p:sld xmlns:a="http://schemas.openxmlformats.org/drawingml/2006/main" xmlns:r="http://schemas.openxmlformats.org/officeDocument/2006/relationships" xmlns:p="http://schemas.openxmlformats.org/presentationml/2006/main">
   <p:cSld>
     <p:spTree>
@@ -4846,7 +4697,7 @@
 </p:sld>
 </file>
 
-<file path=ppt/slides/slide23.xml><?xml version="1.0" encoding="utf-8"?>
+<file path=ppt/slides/slide22.xml><?xml version="1.0" encoding="utf-8"?>
 <p:sld xmlns:a="http://schemas.openxmlformats.org/drawingml/2006/main" xmlns:r="http://schemas.openxmlformats.org/officeDocument/2006/relationships" xmlns:p="http://schemas.openxmlformats.org/presentationml/2006/main">
   <p:cSld>
     <p:spTree>
@@ -4969,7 +4820,7 @@
 </p:sld>
 </file>
 
-<file path=ppt/slides/slide24.xml><?xml version="1.0" encoding="utf-8"?>
+<file path=ppt/slides/slide23.xml><?xml version="1.0" encoding="utf-8"?>
 <p:sld xmlns:a="http://schemas.openxmlformats.org/drawingml/2006/main" xmlns:r="http://schemas.openxmlformats.org/officeDocument/2006/relationships" xmlns:p="http://schemas.openxmlformats.org/presentationml/2006/main">
   <p:cSld>
     <p:spTree>
@@ -5051,7 +4902,7 @@
 </p:sld>
 </file>
 
-<file path=ppt/slides/slide25.xml><?xml version="1.0" encoding="utf-8"?>
+<file path=ppt/slides/slide24.xml><?xml version="1.0" encoding="utf-8"?>
 <p:sld xmlns:a="http://schemas.openxmlformats.org/drawingml/2006/main" xmlns:r="http://schemas.openxmlformats.org/officeDocument/2006/relationships" xmlns:p="http://schemas.openxmlformats.org/presentationml/2006/main">
   <p:cSld>
     <p:spTree>
@@ -5133,7 +4984,7 @@
 </p:sld>
 </file>
 
-<file path=ppt/slides/slide26.xml><?xml version="1.0" encoding="utf-8"?>
+<file path=ppt/slides/slide25.xml><?xml version="1.0" encoding="utf-8"?>
 <p:sld xmlns:a="http://schemas.openxmlformats.org/drawingml/2006/main" xmlns:r="http://schemas.openxmlformats.org/officeDocument/2006/relationships" xmlns:p="http://schemas.openxmlformats.org/presentationml/2006/main">
   <p:cSld>
     <p:spTree>
@@ -5216,7 +5067,7 @@
 </p:sld>
 </file>
 
-<file path=ppt/slides/slide27.xml><?xml version="1.0" encoding="utf-8"?>
+<file path=ppt/slides/slide26.xml><?xml version="1.0" encoding="utf-8"?>
 <p:sld xmlns:a="http://schemas.openxmlformats.org/drawingml/2006/main" xmlns:r="http://schemas.openxmlformats.org/officeDocument/2006/relationships" xmlns:p="http://schemas.openxmlformats.org/presentationml/2006/main">
   <p:cSld>
     <p:spTree>

--- a/Design Review/Design-Review.pptx
+++ b/Design Review/Design-Review.pptx
@@ -131,7 +131,7 @@
   </p:defaultTextStyle>
   <p:extLst>
     <p:ext uri="{EFAFB233-063F-42B5-8137-9DF3F51BA10A}">
-      <p15:sldGuideLst xmlns:p15="http://schemas.microsoft.com/office/powerpoint/2012/main" xmlns="">
+      <p15:sldGuideLst xmlns:p15="http://schemas.microsoft.com/office/powerpoint/2012/main">
         <p15:guide id="1" orient="horz" pos="2160">
           <p15:clr>
             <a:srgbClr val="A4A3A4"/>
@@ -5240,9 +5240,9 @@
       </p:sp>
       <p:pic>
         <p:nvPicPr>
-          <p:cNvPr id="1026" name="Picture 2" descr="C:\Users\coelabs\Documents\GitHub\COE1186\CTCUseCases.png"/>
+          <p:cNvPr id="4" name="Picture 3"/>
           <p:cNvPicPr>
-            <a:picLocks noChangeAspect="1" noChangeArrowheads="1"/>
+            <a:picLocks noChangeAspect="1"/>
           </p:cNvPicPr>
           <p:nvPr/>
         </p:nvPicPr>
@@ -5254,29 +5254,18 @@
               </a:ext>
             </a:extLst>
           </a:blip>
-          <a:srcRect/>
           <a:stretch>
             <a:fillRect/>
           </a:stretch>
         </p:blipFill>
-        <p:spPr bwMode="auto">
+        <p:spPr>
           <a:xfrm>
-            <a:off x="1179051" y="533400"/>
-            <a:ext cx="6785895" cy="6781800"/>
+            <a:off x="1990582" y="914400"/>
+            <a:ext cx="5162836" cy="5943600"/>
           </a:xfrm>
           <a:prstGeom prst="rect">
             <a:avLst/>
           </a:prstGeom>
-          <a:noFill/>
-          <a:extLst>
-            <a:ext uri="{909E8E84-426E-40DD-AFC4-6F175D3DCCD1}">
-              <a14:hiddenFill xmlns:a14="http://schemas.microsoft.com/office/drawing/2010/main">
-                <a:solidFill>
-                  <a:srgbClr val="FFFFFF"/>
-                </a:solidFill>
-              </a14:hiddenFill>
-            </a:ext>
-          </a:extLst>
         </p:spPr>
       </p:pic>
     </p:spTree>
@@ -5341,9 +5330,9 @@
       </p:sp>
       <p:pic>
         <p:nvPicPr>
-          <p:cNvPr id="2050" name="Picture 2" descr="C:\Users\coelabs\Downloads\SequenceDiagram.png"/>
+          <p:cNvPr id="4" name="Picture 3"/>
           <p:cNvPicPr>
-            <a:picLocks noChangeAspect="1" noChangeArrowheads="1"/>
+            <a:picLocks noChangeAspect="1"/>
           </p:cNvPicPr>
           <p:nvPr/>
         </p:nvPicPr>
@@ -5355,29 +5344,18 @@
               </a:ext>
             </a:extLst>
           </a:blip>
-          <a:srcRect/>
           <a:stretch>
             <a:fillRect/>
           </a:stretch>
         </p:blipFill>
-        <p:spPr bwMode="auto">
+        <p:spPr>
           <a:xfrm>
-            <a:off x="-304800" y="1371600"/>
-            <a:ext cx="9144000" cy="4274324"/>
+            <a:off x="1076325" y="1195387"/>
+            <a:ext cx="6991350" cy="4467225"/>
           </a:xfrm>
           <a:prstGeom prst="rect">
             <a:avLst/>
           </a:prstGeom>
-          <a:noFill/>
-          <a:extLst>
-            <a:ext uri="{909E8E84-426E-40DD-AFC4-6F175D3DCCD1}">
-              <a14:hiddenFill xmlns:a14="http://schemas.microsoft.com/office/drawing/2010/main">
-                <a:solidFill>
-                  <a:srgbClr val="FFFFFF"/>
-                </a:solidFill>
-              </a14:hiddenFill>
-            </a:ext>
-          </a:extLst>
         </p:spPr>
       </p:pic>
     </p:spTree>
@@ -5435,9 +5413,9 @@
       </p:sp>
       <p:pic>
         <p:nvPicPr>
-          <p:cNvPr id="3074" name="Picture 2" descr="C:\Users\coelabs\Downloads\SequenceDiagram2.png"/>
+          <p:cNvPr id="4" name="Picture 3"/>
           <p:cNvPicPr>
-            <a:picLocks noChangeAspect="1" noChangeArrowheads="1"/>
+            <a:picLocks noChangeAspect="1"/>
           </p:cNvPicPr>
           <p:nvPr/>
         </p:nvPicPr>
@@ -5449,29 +5427,18 @@
               </a:ext>
             </a:extLst>
           </a:blip>
-          <a:srcRect/>
           <a:stretch>
             <a:fillRect/>
           </a:stretch>
         </p:blipFill>
-        <p:spPr bwMode="auto">
+        <p:spPr>
           <a:xfrm>
-            <a:off x="-1371600" y="1828800"/>
-            <a:ext cx="11528526" cy="6262902"/>
+            <a:off x="489642" y="914400"/>
+            <a:ext cx="7658100" cy="5657850"/>
           </a:xfrm>
           <a:prstGeom prst="rect">
             <a:avLst/>
           </a:prstGeom>
-          <a:noFill/>
-          <a:extLst>
-            <a:ext uri="{909E8E84-426E-40DD-AFC4-6F175D3DCCD1}">
-              <a14:hiddenFill xmlns:a14="http://schemas.microsoft.com/office/drawing/2010/main">
-                <a:solidFill>
-                  <a:srgbClr val="FFFFFF"/>
-                </a:solidFill>
-              </a14:hiddenFill>
-            </a:ext>
-          </a:extLst>
         </p:spPr>
       </p:pic>
     </p:spTree>
@@ -5506,7 +5473,7 @@
       </p:grpSpPr>
       <p:sp>
         <p:nvSpPr>
-          <p:cNvPr id="2" name="Title 1"/>
+          <p:cNvPr id="3" name="Title 2"/>
           <p:cNvSpPr>
             <a:spLocks noGrp="1"/>
           </p:cNvSpPr>
@@ -5519,19 +5486,15 @@
           <a:bodyPr/>
           <a:lstStyle/>
           <a:p>
-            <a:r>
-              <a:rPr lang="en-US" dirty="0" smtClean="0"/>
-              <a:t>CTC Class Diagram</a:t>
-            </a:r>
-            <a:endParaRPr lang="en-US" dirty="0"/>
+            <a:endParaRPr lang="en-US"/>
           </a:p>
         </p:txBody>
       </p:sp>
       <p:pic>
         <p:nvPicPr>
-          <p:cNvPr id="1026" name="Picture 2" descr="C:\Users\coelabs\Documents\UseCaseDiagramCTC.png"/>
+          <p:cNvPr id="5" name="Picture 4"/>
           <p:cNvPicPr>
-            <a:picLocks noChangeAspect="1" noChangeArrowheads="1"/>
+            <a:picLocks noChangeAspect="1"/>
           </p:cNvPicPr>
           <p:nvPr/>
         </p:nvPicPr>
@@ -5543,29 +5506,18 @@
               </a:ext>
             </a:extLst>
           </a:blip>
-          <a:srcRect/>
           <a:stretch>
             <a:fillRect/>
           </a:stretch>
         </p:blipFill>
-        <p:spPr bwMode="auto">
+        <p:spPr>
           <a:xfrm>
-            <a:off x="-76200" y="1143000"/>
-            <a:ext cx="9144000" cy="5334702"/>
+            <a:off x="1066801" y="19721"/>
+            <a:ext cx="6758458" cy="6838279"/>
           </a:xfrm>
           <a:prstGeom prst="rect">
             <a:avLst/>
           </a:prstGeom>
-          <a:noFill/>
-          <a:extLst>
-            <a:ext uri="{909E8E84-426E-40DD-AFC4-6F175D3DCCD1}">
-              <a14:hiddenFill xmlns:a14="http://schemas.microsoft.com/office/drawing/2010/main">
-                <a:solidFill>
-                  <a:srgbClr val="FFFFFF"/>
-                </a:solidFill>
-              </a14:hiddenFill>
-            </a:ext>
-          </a:extLst>
         </p:spPr>
       </p:pic>
     </p:spTree>

--- a/Design Review/Design-Review.pptx
+++ b/Design Review/Design-Review.pptx
@@ -131,7 +131,7 @@
   </p:defaultTextStyle>
   <p:extLst>
     <p:ext uri="{EFAFB233-063F-42B5-8137-9DF3F51BA10A}">
-      <p15:sldGuideLst xmlns:p15="http://schemas.microsoft.com/office/powerpoint/2012/main">
+      <p15:sldGuideLst xmlns:p15="http://schemas.microsoft.com/office/powerpoint/2012/main" xmlns="">
         <p15:guide id="1" orient="horz" pos="2160">
           <p15:clr>
             <a:srgbClr val="A4A3A4"/>
@@ -3379,20 +3379,20 @@
           </p:nvPr>
         </p:nvPicPr>
         <p:blipFill rotWithShape="1">
-          <a:blip r:embed="rId2" cstate="print">
+          <a:blip r:embed="rId2">
             <a:extLst>
               <a:ext uri="{28A0092B-C50C-407E-A947-70E740481C1C}">
                 <a14:useLocalDpi xmlns:a14="http://schemas.microsoft.com/office/drawing/2010/main" val="0"/>
               </a:ext>
             </a:extLst>
           </a:blip>
-          <a:srcRect l="22799" r="21204" b="50737"/>
+          <a:srcRect l="33534"/>
           <a:stretch/>
         </p:blipFill>
         <p:spPr>
           <a:xfrm>
-            <a:off x="1524000" y="1828800"/>
-            <a:ext cx="5394883" cy="4343400"/>
+            <a:off x="1371600" y="1524000"/>
+            <a:ext cx="5394883" cy="4262448"/>
           </a:xfrm>
         </p:spPr>
       </p:pic>
@@ -5815,8 +5815,8 @@
         </p:blipFill>
         <p:spPr>
           <a:xfrm>
-            <a:off x="1623776" y="1600200"/>
-            <a:ext cx="5286848" cy="4800600"/>
+            <a:off x="1623776" y="2373778"/>
+            <a:ext cx="5286848" cy="3253444"/>
           </a:xfrm>
         </p:spPr>
       </p:pic>

--- a/Design Review/Design-Review.pptx
+++ b/Design Review/Design-Review.pptx
@@ -131,7 +131,7 @@
   </p:defaultTextStyle>
   <p:extLst>
     <p:ext uri="{EFAFB233-063F-42B5-8137-9DF3F51BA10A}">
-      <p15:sldGuideLst xmlns:p15="http://schemas.microsoft.com/office/powerpoint/2012/main" xmlns="">
+      <p15:sldGuideLst xmlns="" xmlns:p15="http://schemas.microsoft.com/office/powerpoint/2012/main">
         <p15:guide id="1" orient="horz" pos="2160">
           <p15:clr>
             <a:srgbClr val="A4A3A4"/>
@@ -5726,8 +5726,8 @@
         </p:blipFill>
         <p:spPr>
           <a:xfrm>
-            <a:off x="1192409" y="1600200"/>
-            <a:ext cx="6149581" cy="4800599"/>
+            <a:off x="1250929" y="1600200"/>
+            <a:ext cx="6032540" cy="4800599"/>
           </a:xfrm>
         </p:spPr>
       </p:pic>

--- a/Design Review/Design-Review.pptx
+++ b/Design Review/Design-Review.pptx
@@ -131,7 +131,7 @@
   </p:defaultTextStyle>
   <p:extLst>
     <p:ext uri="{EFAFB233-063F-42B5-8137-9DF3F51BA10A}">
-      <p15:sldGuideLst xmlns="" xmlns:p15="http://schemas.microsoft.com/office/powerpoint/2012/main">
+      <p15:sldGuideLst xmlns:p15="http://schemas.microsoft.com/office/powerpoint/2012/main" xmlns="">
         <p15:guide id="1" orient="horz" pos="2160">
           <p15:clr>
             <a:srgbClr val="A4A3A4"/>
@@ -3362,7 +3362,11 @@
           <a:p>
             <a:r>
               <a:rPr lang="en-US" dirty="0" smtClean="0"/>
-              <a:t>MBO Sequence Diagram</a:t>
+              <a:t>MBO Sequence </a:t>
+            </a:r>
+            <a:r>
+              <a:rPr lang="en-US" dirty="0" smtClean="0"/>
+              <a:t>Diagram: Calculate MBO Set Point</a:t>
             </a:r>
             <a:endParaRPr lang="en-US" dirty="0"/>
           </a:p>

--- a/Design Review/Design-Review.pptx
+++ b/Design Review/Design-Review.pptx
@@ -131,7 +131,7 @@
   </p:defaultTextStyle>
   <p:extLst>
     <p:ext uri="{EFAFB233-063F-42B5-8137-9DF3F51BA10A}">
-      <p15:sldGuideLst xmlns:p15="http://schemas.microsoft.com/office/powerpoint/2012/main" xmlns="">
+      <p15:sldGuideLst xmlns="" xmlns:p15="http://schemas.microsoft.com/office/powerpoint/2012/main">
         <p15:guide id="1" orient="horz" pos="2160">
           <p15:clr>
             <a:srgbClr val="A4A3A4"/>
@@ -3362,11 +3362,7 @@
           <a:p>
             <a:r>
               <a:rPr lang="en-US" dirty="0" smtClean="0"/>
-              <a:t>MBO Sequence </a:t>
-            </a:r>
-            <a:r>
-              <a:rPr lang="en-US" dirty="0" smtClean="0"/>
-              <a:t>Diagram: Calculate MBO Set Point</a:t>
+              <a:t>MBO Sequence Diagram: Calculate MBO Set Point</a:t>
             </a:r>
             <a:endParaRPr lang="en-US" dirty="0"/>
           </a:p>
@@ -5731,7 +5727,7 @@
         <p:spPr>
           <a:xfrm>
             <a:off x="1250929" y="1600200"/>
-            <a:ext cx="6032540" cy="4800599"/>
+            <a:ext cx="6032540" cy="4800598"/>
           </a:xfrm>
         </p:spPr>
       </p:pic>

--- a/Design Review/Design-Review.pptx
+++ b/Design Review/Design-Review.pptx
@@ -131,7 +131,7 @@
   </p:defaultTextStyle>
   <p:extLst>
     <p:ext uri="{EFAFB233-063F-42B5-8137-9DF3F51BA10A}">
-      <p15:sldGuideLst xmlns="" xmlns:p15="http://schemas.microsoft.com/office/powerpoint/2012/main">
+      <p15:sldGuideLst xmlns:p15="http://schemas.microsoft.com/office/powerpoint/2012/main" xmlns="">
         <p15:guide id="1" orient="horz" pos="2160">
           <p15:clr>
             <a:srgbClr val="A4A3A4"/>
@@ -5815,8 +5815,8 @@
         </p:blipFill>
         <p:spPr>
           <a:xfrm>
-            <a:off x="1623776" y="2373778"/>
-            <a:ext cx="5286848" cy="3253444"/>
+            <a:off x="1447800" y="2133600"/>
+            <a:ext cx="5653728" cy="3569822"/>
           </a:xfrm>
         </p:spPr>
       </p:pic>
